--- a/OSI-AND-TCP.pptx
+++ b/OSI-AND-TCP.pptx
@@ -115,7 +115,7 @@
 <file path=ppt/revisionInfo.xml><?xml version="1.0" encoding="utf-8"?>
 <p1510:revInfo xmlns:a="http://schemas.openxmlformats.org/drawingml/2006/main" xmlns:r="http://schemas.openxmlformats.org/officeDocument/2006/relationships" xmlns:p1510="http://schemas.microsoft.com/office/powerpoint/2015/10/main">
   <p1510:revLst>
-    <p1510:client id="{DEF80351-A9DB-426B-A8E7-3BAB056DD1B1}" v="3" dt="2020-07-12T11:26:05.301"/>
+    <p1510:client id="{DEF80351-A9DB-426B-A8E7-3BAB056DD1B1}" v="4" dt="2020-07-22T06:27:48.771"/>
   </p1510:revLst>
 </p1510:revInfo>
 </file>
@@ -125,18 +125,18 @@
   <pc:docChgLst>
     <pc:chgData name="정운성" userId="93f8771b-d0a3-4b28-9b80-5e017e576f77" providerId="ADAL" clId="{DEF80351-A9DB-426B-A8E7-3BAB056DD1B1}"/>
     <pc:docChg chg="undo custSel addSld delSld modSld">
-      <pc:chgData name="정운성" userId="93f8771b-d0a3-4b28-9b80-5e017e576f77" providerId="ADAL" clId="{DEF80351-A9DB-426B-A8E7-3BAB056DD1B1}" dt="2020-07-12T11:44:47.320" v="234" actId="20577"/>
+      <pc:chgData name="정운성" userId="93f8771b-d0a3-4b28-9b80-5e017e576f77" providerId="ADAL" clId="{DEF80351-A9DB-426B-A8E7-3BAB056DD1B1}" dt="2020-07-22T06:28:07.131" v="287" actId="242"/>
       <pc:docMkLst>
         <pc:docMk/>
       </pc:docMkLst>
-      <pc:sldChg chg="modSp">
-        <pc:chgData name="정운성" userId="93f8771b-d0a3-4b28-9b80-5e017e576f77" providerId="ADAL" clId="{DEF80351-A9DB-426B-A8E7-3BAB056DD1B1}" dt="2020-07-12T11:44:47.320" v="234" actId="20577"/>
+      <pc:sldChg chg="modSp mod">
+        <pc:chgData name="정운성" userId="93f8771b-d0a3-4b28-9b80-5e017e576f77" providerId="ADAL" clId="{DEF80351-A9DB-426B-A8E7-3BAB056DD1B1}" dt="2020-07-22T06:28:07.131" v="287" actId="242"/>
         <pc:sldMkLst>
           <pc:docMk/>
           <pc:sldMk cId="3404309254" sldId="256"/>
         </pc:sldMkLst>
         <pc:graphicFrameChg chg="mod modGraphic">
-          <ac:chgData name="정운성" userId="93f8771b-d0a3-4b28-9b80-5e017e576f77" providerId="ADAL" clId="{DEF80351-A9DB-426B-A8E7-3BAB056DD1B1}" dt="2020-07-12T11:44:47.320" v="234" actId="20577"/>
+          <ac:chgData name="정운성" userId="93f8771b-d0a3-4b28-9b80-5e017e576f77" providerId="ADAL" clId="{DEF80351-A9DB-426B-A8E7-3BAB056DD1B1}" dt="2020-07-22T06:28:07.131" v="287" actId="242"/>
           <ac:graphicFrameMkLst>
             <pc:docMk/>
             <pc:sldMk cId="3404309254" sldId="256"/>
@@ -303,7 +303,7 @@
           <a:p>
             <a:fld id="{F1954031-162A-40BA-873A-FBF6E9BFA9F9}" type="datetimeFigureOut">
               <a:rPr lang="ko-KR" altLang="en-US" smtClean="0"/>
-              <a:t>2020-07-12</a:t>
+              <a:t>2020-07-22</a:t>
             </a:fld>
             <a:endParaRPr lang="ko-KR" altLang="en-US"/>
           </a:p>
@@ -501,7 +501,7 @@
           <a:p>
             <a:fld id="{F1954031-162A-40BA-873A-FBF6E9BFA9F9}" type="datetimeFigureOut">
               <a:rPr lang="ko-KR" altLang="en-US" smtClean="0"/>
-              <a:t>2020-07-12</a:t>
+              <a:t>2020-07-22</a:t>
             </a:fld>
             <a:endParaRPr lang="ko-KR" altLang="en-US"/>
           </a:p>
@@ -709,7 +709,7 @@
           <a:p>
             <a:fld id="{F1954031-162A-40BA-873A-FBF6E9BFA9F9}" type="datetimeFigureOut">
               <a:rPr lang="ko-KR" altLang="en-US" smtClean="0"/>
-              <a:t>2020-07-12</a:t>
+              <a:t>2020-07-22</a:t>
             </a:fld>
             <a:endParaRPr lang="ko-KR" altLang="en-US"/>
           </a:p>
@@ -907,7 +907,7 @@
           <a:p>
             <a:fld id="{F1954031-162A-40BA-873A-FBF6E9BFA9F9}" type="datetimeFigureOut">
               <a:rPr lang="ko-KR" altLang="en-US" smtClean="0"/>
-              <a:t>2020-07-12</a:t>
+              <a:t>2020-07-22</a:t>
             </a:fld>
             <a:endParaRPr lang="ko-KR" altLang="en-US"/>
           </a:p>
@@ -1182,7 +1182,7 @@
           <a:p>
             <a:fld id="{F1954031-162A-40BA-873A-FBF6E9BFA9F9}" type="datetimeFigureOut">
               <a:rPr lang="ko-KR" altLang="en-US" smtClean="0"/>
-              <a:t>2020-07-12</a:t>
+              <a:t>2020-07-22</a:t>
             </a:fld>
             <a:endParaRPr lang="ko-KR" altLang="en-US"/>
           </a:p>
@@ -1447,7 +1447,7 @@
           <a:p>
             <a:fld id="{F1954031-162A-40BA-873A-FBF6E9BFA9F9}" type="datetimeFigureOut">
               <a:rPr lang="ko-KR" altLang="en-US" smtClean="0"/>
-              <a:t>2020-07-12</a:t>
+              <a:t>2020-07-22</a:t>
             </a:fld>
             <a:endParaRPr lang="ko-KR" altLang="en-US"/>
           </a:p>
@@ -1859,7 +1859,7 @@
           <a:p>
             <a:fld id="{F1954031-162A-40BA-873A-FBF6E9BFA9F9}" type="datetimeFigureOut">
               <a:rPr lang="ko-KR" altLang="en-US" smtClean="0"/>
-              <a:t>2020-07-12</a:t>
+              <a:t>2020-07-22</a:t>
             </a:fld>
             <a:endParaRPr lang="ko-KR" altLang="en-US"/>
           </a:p>
@@ -2000,7 +2000,7 @@
           <a:p>
             <a:fld id="{F1954031-162A-40BA-873A-FBF6E9BFA9F9}" type="datetimeFigureOut">
               <a:rPr lang="ko-KR" altLang="en-US" smtClean="0"/>
-              <a:t>2020-07-12</a:t>
+              <a:t>2020-07-22</a:t>
             </a:fld>
             <a:endParaRPr lang="ko-KR" altLang="en-US"/>
           </a:p>
@@ -2113,7 +2113,7 @@
           <a:p>
             <a:fld id="{F1954031-162A-40BA-873A-FBF6E9BFA9F9}" type="datetimeFigureOut">
               <a:rPr lang="ko-KR" altLang="en-US" smtClean="0"/>
-              <a:t>2020-07-12</a:t>
+              <a:t>2020-07-22</a:t>
             </a:fld>
             <a:endParaRPr lang="ko-KR" altLang="en-US"/>
           </a:p>
@@ -2424,7 +2424,7 @@
           <a:p>
             <a:fld id="{F1954031-162A-40BA-873A-FBF6E9BFA9F9}" type="datetimeFigureOut">
               <a:rPr lang="ko-KR" altLang="en-US" smtClean="0"/>
-              <a:t>2020-07-12</a:t>
+              <a:t>2020-07-22</a:t>
             </a:fld>
             <a:endParaRPr lang="ko-KR" altLang="en-US"/>
           </a:p>
@@ -2712,7 +2712,7 @@
           <a:p>
             <a:fld id="{F1954031-162A-40BA-873A-FBF6E9BFA9F9}" type="datetimeFigureOut">
               <a:rPr lang="ko-KR" altLang="en-US" smtClean="0"/>
-              <a:t>2020-07-12</a:t>
+              <a:t>2020-07-22</a:t>
             </a:fld>
             <a:endParaRPr lang="ko-KR" altLang="en-US"/>
           </a:p>
@@ -2953,7 +2953,7 @@
           <a:p>
             <a:fld id="{F1954031-162A-40BA-873A-FBF6E9BFA9F9}" type="datetimeFigureOut">
               <a:rPr lang="ko-KR" altLang="en-US" smtClean="0"/>
-              <a:t>2020-07-12</a:t>
+              <a:t>2020-07-22</a:t>
             </a:fld>
             <a:endParaRPr lang="ko-KR" altLang="en-US"/>
           </a:p>
@@ -3385,7 +3385,7 @@
           <p:nvPr>
             <p:extLst>
               <p:ext uri="{D42A27DB-BD31-4B8C-83A1-F6EECF244321}">
-                <p14:modId xmlns:p14="http://schemas.microsoft.com/office/powerpoint/2010/main" val="1889799196"/>
+                <p14:modId xmlns:p14="http://schemas.microsoft.com/office/powerpoint/2010/main" val="2119951469"/>
               </p:ext>
             </p:extLst>
           </p:nvPr>
@@ -3562,16 +3562,20 @@
                   </a:txBody>
                   <a:tcPr/>
                 </a:tc>
-                <a:tc>
+                <a:tc rowSpan="3">
                   <a:txBody>
                     <a:bodyPr/>
                     <a:lstStyle/>
                     <a:p>
                       <a:pPr algn="ctr" latinLnBrk="1"/>
-                      <a:endParaRPr lang="ko-KR" altLang="en-US" sz="2400"/>
+                      <a:r>
+                        <a:rPr lang="en-US" altLang="ko-KR" sz="2400" dirty="0"/>
+                        <a:t>L7(Firewall)</a:t>
+                      </a:r>
+                      <a:endParaRPr lang="ko-KR" altLang="en-US" sz="2400" dirty="0"/>
                     </a:p>
                   </a:txBody>
-                  <a:tcPr/>
+                  <a:tcPr anchor="ctr"/>
                 </a:tc>
                 <a:tc rowSpan="3">
                   <a:txBody>
@@ -3656,7 +3660,7 @@
                   </a:txBody>
                   <a:tcPr/>
                 </a:tc>
-                <a:tc>
+                <a:tc vMerge="1">
                   <a:txBody>
                     <a:bodyPr/>
                     <a:lstStyle/>
@@ -3734,7 +3738,7 @@
                   </a:txBody>
                   <a:tcPr/>
                 </a:tc>
-                <a:tc>
+                <a:tc vMerge="1">
                   <a:txBody>
                     <a:bodyPr/>
                     <a:lstStyle/>
@@ -3818,6 +3822,10 @@
                     <a:lstStyle/>
                     <a:p>
                       <a:pPr algn="ctr" latinLnBrk="1"/>
+                      <a:r>
+                        <a:rPr lang="en-US" altLang="ko-KR" sz="2400" dirty="0"/>
+                        <a:t>L4(NAT)</a:t>
+                      </a:r>
                       <a:endParaRPr lang="ko-KR" altLang="en-US" sz="2400" dirty="0"/>
                     </a:p>
                   </a:txBody>
@@ -3912,7 +3920,11 @@
                     <a:lstStyle/>
                     <a:p>
                       <a:pPr algn="ctr" latinLnBrk="1"/>
-                      <a:endParaRPr lang="ko-KR" altLang="en-US" sz="2400"/>
+                      <a:r>
+                        <a:rPr lang="en-US" altLang="ko-KR" sz="2400" dirty="0"/>
+                        <a:t>L3(Router)</a:t>
+                      </a:r>
+                      <a:endParaRPr lang="ko-KR" altLang="en-US" sz="2400" dirty="0"/>
                     </a:p>
                   </a:txBody>
                   <a:tcPr/>
@@ -4006,6 +4018,10 @@
                     <a:lstStyle/>
                     <a:p>
                       <a:pPr algn="ctr" latinLnBrk="1"/>
+                      <a:r>
+                        <a:rPr lang="en-US" altLang="ko-KR" sz="2400" dirty="0"/>
+                        <a:t>L2(Switch)</a:t>
+                      </a:r>
                       <a:endParaRPr lang="ko-KR" altLang="en-US" sz="2400" dirty="0"/>
                     </a:p>
                   </a:txBody>
@@ -4115,6 +4131,10 @@
                     <a:lstStyle/>
                     <a:p>
                       <a:pPr algn="ctr" latinLnBrk="1"/>
+                      <a:r>
+                        <a:rPr lang="en-US" altLang="ko-KR" sz="2400" dirty="0"/>
+                        <a:t>L1</a:t>
+                      </a:r>
                       <a:endParaRPr lang="ko-KR" altLang="en-US" sz="2400" dirty="0"/>
                     </a:p>
                   </a:txBody>
@@ -4461,21 +4481,6 @@
 </file>
 
 <file path=customXml/item1.xml><?xml version="1.0" encoding="utf-8"?>
-<p:properties xmlns:p="http://schemas.microsoft.com/office/2006/metadata/properties" xmlns:xsi="http://www.w3.org/2001/XMLSchema-instance" xmlns:pc="http://schemas.microsoft.com/office/infopath/2007/PartnerControls">
-  <documentManagement/>
-</p:properties>
-</file>
-
-<file path=customXml/item2.xml><?xml version="1.0" encoding="utf-8"?>
-<?mso-contentType ?>
-<FormTemplates xmlns="http://schemas.microsoft.com/sharepoint/v3/contenttype/forms">
-  <Display>DocumentLibraryForm</Display>
-  <Edit>DocumentLibraryForm</Edit>
-  <New>DocumentLibraryForm</New>
-</FormTemplates>
-</file>
-
-<file path=customXml/item3.xml><?xml version="1.0" encoding="utf-8"?>
 <ct:contentTypeSchema xmlns:ct="http://schemas.microsoft.com/office/2006/metadata/contentType" xmlns:ma="http://schemas.microsoft.com/office/2006/metadata/properties/metaAttributes" ct:_="" ma:_="" ma:contentTypeName="문서" ma:contentTypeID="0x010100B439C4D20805024FB85A16B93026CC00" ma:contentTypeVersion="2" ma:contentTypeDescription="새 문서를 만듭니다." ma:contentTypeScope="" ma:versionID="d21ab42f62a1df80baec9b8d1cec33a5">
   <xsd:schema xmlns:xsd="http://www.w3.org/2001/XMLSchema" xmlns:xs="http://www.w3.org/2001/XMLSchema" xmlns:p="http://schemas.microsoft.com/office/2006/metadata/properties" xmlns:ns3="4e3c00c1-66e2-493f-a302-41d71e92322e" targetNamespace="http://schemas.microsoft.com/office/2006/metadata/properties" ma:root="true" ma:fieldsID="f9260d57068d78062641c7b49c2df10d" ns3:_="">
     <xsd:import namespace="4e3c00c1-66e2-493f-a302-41d71e92322e"/>
@@ -4607,24 +4612,22 @@
 </ct:contentTypeSchema>
 </file>
 
-<file path=customXml/itemProps1.xml><?xml version="1.0" encoding="utf-8"?>
-<ds:datastoreItem xmlns:ds="http://schemas.openxmlformats.org/officeDocument/2006/customXml" ds:itemID="{D3CCBC85-4514-47C3-8BE6-E4E3401D924A}">
-  <ds:schemaRefs>
-    <ds:schemaRef ds:uri="http://schemas.microsoft.com/office/2006/metadata/properties"/>
-    <ds:schemaRef ds:uri="http://schemas.microsoft.com/office/infopath/2007/PartnerControls"/>
-  </ds:schemaRefs>
-</ds:datastoreItem>
+<file path=customXml/item2.xml><?xml version="1.0" encoding="utf-8"?>
+<?mso-contentType ?>
+<FormTemplates xmlns="http://schemas.microsoft.com/sharepoint/v3/contenttype/forms">
+  <Display>DocumentLibraryForm</Display>
+  <Edit>DocumentLibraryForm</Edit>
+  <New>DocumentLibraryForm</New>
+</FormTemplates>
 </file>
 
-<file path=customXml/itemProps2.xml><?xml version="1.0" encoding="utf-8"?>
-<ds:datastoreItem xmlns:ds="http://schemas.openxmlformats.org/officeDocument/2006/customXml" ds:itemID="{B50551E6-69D7-49FF-A212-2A58E783E79E}">
-  <ds:schemaRefs>
-    <ds:schemaRef ds:uri="http://schemas.microsoft.com/sharepoint/v3/contenttype/forms"/>
-  </ds:schemaRefs>
-</ds:datastoreItem>
+<file path=customXml/item3.xml><?xml version="1.0" encoding="utf-8"?>
+<p:properties xmlns:p="http://schemas.microsoft.com/office/2006/metadata/properties" xmlns:xsi="http://www.w3.org/2001/XMLSchema-instance" xmlns:pc="http://schemas.microsoft.com/office/infopath/2007/PartnerControls">
+  <documentManagement/>
+</p:properties>
 </file>
 
-<file path=customXml/itemProps3.xml><?xml version="1.0" encoding="utf-8"?>
+<file path=customXml/itemProps1.xml><?xml version="1.0" encoding="utf-8"?>
 <ds:datastoreItem xmlns:ds="http://schemas.openxmlformats.org/officeDocument/2006/customXml" ds:itemID="{C588AB75-1DB0-4211-85B9-78488BCE7CFC}">
   <ds:schemaRefs>
     <ds:schemaRef ds:uri="http://schemas.microsoft.com/office/2006/metadata/contentType"/>
@@ -4640,4 +4643,21 @@
     <ds:schemaRef ds:uri="http://schemas.microsoft.com/internal/obd"/>
   </ds:schemaRefs>
 </ds:datastoreItem>
+</file>
+
+<file path=customXml/itemProps2.xml><?xml version="1.0" encoding="utf-8"?>
+<ds:datastoreItem xmlns:ds="http://schemas.openxmlformats.org/officeDocument/2006/customXml" ds:itemID="{B50551E6-69D7-49FF-A212-2A58E783E79E}">
+  <ds:schemaRefs>
+    <ds:schemaRef ds:uri="http://schemas.microsoft.com/sharepoint/v3/contenttype/forms"/>
+  </ds:schemaRefs>
+</ds:datastoreItem>
+</file>
+
+<file path=customXml/itemProps3.xml><?xml version="1.0" encoding="utf-8"?>
+<ds:datastoreItem xmlns:ds="http://schemas.openxmlformats.org/officeDocument/2006/customXml" ds:itemID="{D3CCBC85-4514-47C3-8BE6-E4E3401D924A}">
+  <ds:schemaRefs>
+    <ds:schemaRef ds:uri="http://schemas.microsoft.com/office/2006/metadata/properties"/>
+    <ds:schemaRef ds:uri="http://schemas.microsoft.com/office/infopath/2007/PartnerControls"/>
+  </ds:schemaRefs>
+</ds:datastoreItem>
 </file>